--- a/Presentazione/PresentazioneNuget.pptx
+++ b/Presentazione/PresentazioneNuget.pptx
@@ -9,10 +9,11 @@
     <p:sldId id="262" r:id="rId3"/>
     <p:sldId id="257" r:id="rId4"/>
     <p:sldId id="258" r:id="rId5"/>
-    <p:sldId id="260" r:id="rId6"/>
-    <p:sldId id="259" r:id="rId7"/>
-    <p:sldId id="263" r:id="rId8"/>
-    <p:sldId id="261" r:id="rId9"/>
+    <p:sldId id="264" r:id="rId6"/>
+    <p:sldId id="260" r:id="rId7"/>
+    <p:sldId id="259" r:id="rId8"/>
+    <p:sldId id="263" r:id="rId9"/>
+    <p:sldId id="261" r:id="rId10"/>
   </p:sldIdLst>
   <p:sldSz cx="12192000" cy="6858000"/>
   <p:notesSz cx="6858000" cy="9144000"/>
@@ -111,6 +112,11 @@
       </a:defRPr>
     </a:lvl9pPr>
   </p:defaultTextStyle>
+  <p:extLst>
+    <p:ext uri="{EFAFB233-063F-42B5-8137-9DF3F51BA10A}">
+      <p15:sldGuideLst xmlns:p15="http://schemas.microsoft.com/office/powerpoint/2012/main"/>
+    </p:ext>
+  </p:extLst>
 </p:presentation>
 </file>
 
@@ -245,7 +251,7 @@
           <a:p>
             <a:fld id="{D81F3C41-B92A-484D-9D4B-9E49E09D37F2}" type="datetimeFigureOut">
               <a:rPr lang="en-US" smtClean="0"/>
-              <a:t>12/5/2018</a:t>
+              <a:t>12/11/2018</a:t>
             </a:fld>
             <a:endParaRPr lang="en-US"/>
           </a:p>
@@ -415,7 +421,7 @@
           <a:p>
             <a:fld id="{D81F3C41-B92A-484D-9D4B-9E49E09D37F2}" type="datetimeFigureOut">
               <a:rPr lang="en-US" smtClean="0"/>
-              <a:t>12/5/2018</a:t>
+              <a:t>12/11/2018</a:t>
             </a:fld>
             <a:endParaRPr lang="en-US"/>
           </a:p>
@@ -595,7 +601,7 @@
           <a:p>
             <a:fld id="{D81F3C41-B92A-484D-9D4B-9E49E09D37F2}" type="datetimeFigureOut">
               <a:rPr lang="en-US" smtClean="0"/>
-              <a:t>12/5/2018</a:t>
+              <a:t>12/11/2018</a:t>
             </a:fld>
             <a:endParaRPr lang="en-US"/>
           </a:p>
@@ -765,7 +771,7 @@
           <a:p>
             <a:fld id="{D81F3C41-B92A-484D-9D4B-9E49E09D37F2}" type="datetimeFigureOut">
               <a:rPr lang="en-US" smtClean="0"/>
-              <a:t>12/5/2018</a:t>
+              <a:t>12/11/2018</a:t>
             </a:fld>
             <a:endParaRPr lang="en-US"/>
           </a:p>
@@ -1011,7 +1017,7 @@
           <a:p>
             <a:fld id="{D81F3C41-B92A-484D-9D4B-9E49E09D37F2}" type="datetimeFigureOut">
               <a:rPr lang="en-US" smtClean="0"/>
-              <a:t>12/5/2018</a:t>
+              <a:t>12/11/2018</a:t>
             </a:fld>
             <a:endParaRPr lang="en-US"/>
           </a:p>
@@ -1243,7 +1249,7 @@
           <a:p>
             <a:fld id="{D81F3C41-B92A-484D-9D4B-9E49E09D37F2}" type="datetimeFigureOut">
               <a:rPr lang="en-US" smtClean="0"/>
-              <a:t>12/5/2018</a:t>
+              <a:t>12/11/2018</a:t>
             </a:fld>
             <a:endParaRPr lang="en-US"/>
           </a:p>
@@ -1610,7 +1616,7 @@
           <a:p>
             <a:fld id="{D81F3C41-B92A-484D-9D4B-9E49E09D37F2}" type="datetimeFigureOut">
               <a:rPr lang="en-US" smtClean="0"/>
-              <a:t>12/5/2018</a:t>
+              <a:t>12/11/2018</a:t>
             </a:fld>
             <a:endParaRPr lang="en-US"/>
           </a:p>
@@ -1728,7 +1734,7 @@
           <a:p>
             <a:fld id="{D81F3C41-B92A-484D-9D4B-9E49E09D37F2}" type="datetimeFigureOut">
               <a:rPr lang="en-US" smtClean="0"/>
-              <a:t>12/5/2018</a:t>
+              <a:t>12/11/2018</a:t>
             </a:fld>
             <a:endParaRPr lang="en-US"/>
           </a:p>
@@ -1823,7 +1829,7 @@
           <a:p>
             <a:fld id="{D81F3C41-B92A-484D-9D4B-9E49E09D37F2}" type="datetimeFigureOut">
               <a:rPr lang="en-US" smtClean="0"/>
-              <a:t>12/5/2018</a:t>
+              <a:t>12/11/2018</a:t>
             </a:fld>
             <a:endParaRPr lang="en-US"/>
           </a:p>
@@ -2100,7 +2106,7 @@
           <a:p>
             <a:fld id="{D81F3C41-B92A-484D-9D4B-9E49E09D37F2}" type="datetimeFigureOut">
               <a:rPr lang="en-US" smtClean="0"/>
-              <a:t>12/5/2018</a:t>
+              <a:t>12/11/2018</a:t>
             </a:fld>
             <a:endParaRPr lang="en-US"/>
           </a:p>
@@ -2353,7 +2359,7 @@
           <a:p>
             <a:fld id="{D81F3C41-B92A-484D-9D4B-9E49E09D37F2}" type="datetimeFigureOut">
               <a:rPr lang="en-US" smtClean="0"/>
-              <a:t>12/5/2018</a:t>
+              <a:t>12/11/2018</a:t>
             </a:fld>
             <a:endParaRPr lang="en-US"/>
           </a:p>
@@ -2566,7 +2572,7 @@
           <a:p>
             <a:fld id="{D81F3C41-B92A-484D-9D4B-9E49E09D37F2}" type="datetimeFigureOut">
               <a:rPr lang="en-US" smtClean="0"/>
-              <a:t>12/5/2018</a:t>
+              <a:t>12/11/2018</a:t>
             </a:fld>
             <a:endParaRPr lang="en-US"/>
           </a:p>
@@ -3085,25 +3091,35 @@
           </a:p>
         </p:txBody>
       </p:sp>
-      <p:sp>
-        <p:nvSpPr>
-          <p:cNvPr id="3" name="Segnaposto contenuto 2"/>
-          <p:cNvSpPr>
-            <a:spLocks noGrp="1"/>
-          </p:cNvSpPr>
+      <p:pic>
+        <p:nvPicPr>
+          <p:cNvPr id="4" name="Segnaposto contenuto 3"/>
+          <p:cNvPicPr>
+            <a:picLocks noGrp="1" noChangeAspect="1"/>
+          </p:cNvPicPr>
           <p:nvPr>
             <p:ph idx="1"/>
           </p:nvPr>
-        </p:nvSpPr>
-        <p:spPr/>
-        <p:txBody>
-          <a:bodyPr/>
-          <a:lstStyle/>
-          <a:p>
-            <a:endParaRPr lang="en-US"/>
-          </a:p>
-        </p:txBody>
-      </p:sp>
+        </p:nvPicPr>
+        <p:blipFill>
+          <a:blip r:embed="rId2">
+            <a:extLst>
+              <a:ext uri="{28A0092B-C50C-407E-A947-70E740481C1C}">
+                <a14:useLocalDpi xmlns:a14="http://schemas.microsoft.com/office/drawing/2010/main" val="0"/>
+              </a:ext>
+            </a:extLst>
+          </a:blip>
+          <a:stretch>
+            <a:fillRect/>
+          </a:stretch>
+        </p:blipFill>
+        <p:spPr>
+          <a:xfrm>
+            <a:off x="1716407" y="1495425"/>
+            <a:ext cx="8759186" cy="4351338"/>
+          </a:xfrm>
+        </p:spPr>
+      </p:pic>
     </p:spTree>
     <p:extLst>
       <p:ext uri="{BB962C8B-B14F-4D97-AF65-F5344CB8AC3E}">
@@ -3164,25 +3180,34 @@
           </a:p>
         </p:txBody>
       </p:sp>
-      <p:sp>
-        <p:nvSpPr>
-          <p:cNvPr id="3" name="Segnaposto contenuto 2"/>
-          <p:cNvSpPr>
-            <a:spLocks noGrp="1"/>
-          </p:cNvSpPr>
+      <p:pic>
+        <p:nvPicPr>
+          <p:cNvPr id="6" name="Segnaposto contenuto 5"/>
+          <p:cNvPicPr>
+            <a:picLocks noGrp="1" noChangeAspect="1"/>
+          </p:cNvPicPr>
           <p:nvPr>
             <p:ph idx="1"/>
           </p:nvPr>
-        </p:nvSpPr>
-        <p:spPr/>
-        <p:txBody>
-          <a:bodyPr/>
-          <a:lstStyle/>
-          <a:p>
-            <a:endParaRPr lang="en-US"/>
-          </a:p>
-        </p:txBody>
-      </p:sp>
+        </p:nvPicPr>
+        <p:blipFill rotWithShape="1">
+          <a:blip r:embed="rId2">
+            <a:extLst>
+              <a:ext uri="{28A0092B-C50C-407E-A947-70E740481C1C}">
+                <a14:useLocalDpi xmlns:a14="http://schemas.microsoft.com/office/drawing/2010/main" val="0"/>
+              </a:ext>
+            </a:extLst>
+          </a:blip>
+          <a:srcRect l="29734" t="14027" r="29052" b="17991"/>
+          <a:stretch/>
+        </p:blipFill>
+        <p:spPr>
+          <a:xfrm>
+            <a:off x="3727449" y="1690688"/>
+            <a:ext cx="4737101" cy="4071558"/>
+          </a:xfrm>
+        </p:spPr>
+      </p:pic>
     </p:spTree>
     <p:extLst>
       <p:ext uri="{BB962C8B-B14F-4D97-AF65-F5344CB8AC3E}">
@@ -3239,29 +3264,47 @@
               <a:rPr lang="fr-CH" dirty="0" err="1" smtClean="0"/>
               <a:t>Soluzione</a:t>
             </a:r>
+            <a:r>
+              <a:rPr lang="fr-CH" dirty="0" smtClean="0"/>
+              <a:t> </a:t>
+            </a:r>
+            <a:r>
+              <a:rPr lang="fr-CH" dirty="0" err="1" smtClean="0"/>
+              <a:t>iniziale</a:t>
+            </a:r>
             <a:endParaRPr lang="en-US" dirty="0"/>
           </a:p>
         </p:txBody>
       </p:sp>
-      <p:sp>
-        <p:nvSpPr>
-          <p:cNvPr id="3" name="Segnaposto contenuto 2"/>
-          <p:cNvSpPr>
-            <a:spLocks noGrp="1"/>
-          </p:cNvSpPr>
+      <p:pic>
+        <p:nvPicPr>
+          <p:cNvPr id="4" name="Segnaposto contenuto 3"/>
+          <p:cNvPicPr>
+            <a:picLocks noGrp="1" noChangeAspect="1"/>
+          </p:cNvPicPr>
           <p:nvPr>
             <p:ph idx="1"/>
           </p:nvPr>
-        </p:nvSpPr>
-        <p:spPr/>
-        <p:txBody>
-          <a:bodyPr/>
-          <a:lstStyle/>
-          <a:p>
-            <a:endParaRPr lang="en-US"/>
-          </a:p>
-        </p:txBody>
-      </p:sp>
+        </p:nvPicPr>
+        <p:blipFill>
+          <a:blip r:embed="rId2">
+            <a:extLst>
+              <a:ext uri="{28A0092B-C50C-407E-A947-70E740481C1C}">
+                <a14:useLocalDpi xmlns:a14="http://schemas.microsoft.com/office/drawing/2010/main" val="0"/>
+              </a:ext>
+            </a:extLst>
+          </a:blip>
+          <a:stretch>
+            <a:fillRect/>
+          </a:stretch>
+        </p:blipFill>
+        <p:spPr>
+          <a:xfrm>
+            <a:off x="2139950" y="1690688"/>
+            <a:ext cx="7912100" cy="4577353"/>
+          </a:xfrm>
+        </p:spPr>
+      </p:pic>
     </p:spTree>
     <p:extLst>
       <p:ext uri="{BB962C8B-B14F-4D97-AF65-F5344CB8AC3E}">
@@ -3316,7 +3359,11 @@
           <a:p>
             <a:r>
               <a:rPr lang="fr-CH" dirty="0" err="1" smtClean="0"/>
-              <a:t>Demo</a:t>
+              <a:t>Soluzione</a:t>
+            </a:r>
+            <a:r>
+              <a:rPr lang="fr-CH" dirty="0" smtClean="0"/>
+              <a:t> finale</a:t>
             </a:r>
             <a:endParaRPr lang="en-US" dirty="0"/>
           </a:p>
@@ -3324,7 +3371,7 @@
       </p:sp>
       <p:sp>
         <p:nvSpPr>
-          <p:cNvPr id="3" name="Segnaposto contenuto 2"/>
+          <p:cNvPr id="5" name="Segnaposto contenuto 4"/>
           <p:cNvSpPr>
             <a:spLocks noGrp="1"/>
           </p:cNvSpPr>
@@ -3332,19 +3379,48 @@
             <p:ph idx="1"/>
           </p:nvPr>
         </p:nvSpPr>
-        <p:spPr/>
-        <p:txBody>
-          <a:bodyPr/>
-          <a:lstStyle/>
-          <a:p>
-            <a:endParaRPr lang="en-US"/>
+        <p:spPr>
+          <a:xfrm>
+            <a:off x="1560714" y="2773277"/>
+            <a:ext cx="9070571" cy="1058892"/>
+          </a:xfrm>
+          <a:solidFill>
+            <a:srgbClr val="C00000"/>
+          </a:solidFill>
+        </p:spPr>
+        <p:txBody>
+          <a:bodyPr>
+            <a:noAutofit/>
+          </a:bodyPr>
+          <a:lstStyle/>
+          <a:p>
+            <a:pPr marL="0" indent="0" algn="ctr">
+              <a:buNone/>
+            </a:pPr>
+            <a:r>
+              <a:rPr lang="fr-CH" sz="8000" dirty="0" smtClean="0">
+                <a:solidFill>
+                  <a:schemeClr val="bg1"/>
+                </a:solidFill>
+                <a:latin typeface="Calibri Light" panose="020F0302020204030204" pitchFamily="34" charset="0"/>
+                <a:cs typeface="Calibri Light" panose="020F0302020204030204" pitchFamily="34" charset="0"/>
+              </a:rPr>
+              <a:t>NUGET DOWNLOAD</a:t>
+            </a:r>
+            <a:endParaRPr lang="en-US" sz="8000" dirty="0">
+              <a:solidFill>
+                <a:schemeClr val="bg1"/>
+              </a:solidFill>
+              <a:latin typeface="Calibri Light" panose="020F0302020204030204" pitchFamily="34" charset="0"/>
+              <a:cs typeface="Calibri Light" panose="020F0302020204030204" pitchFamily="34" charset="0"/>
+            </a:endParaRPr>
           </a:p>
         </p:txBody>
       </p:sp>
     </p:spTree>
     <p:extLst>
       <p:ext uri="{BB962C8B-B14F-4D97-AF65-F5344CB8AC3E}">
-        <p14:creationId xmlns:p14="http://schemas.microsoft.com/office/powerpoint/2010/main" val="4043463899"/>
+        <p14:creationId xmlns:p14="http://schemas.microsoft.com/office/powerpoint/2010/main" val="545048346"/>
       </p:ext>
     </p:extLst>
   </p:cSld>
@@ -3395,35 +3471,42 @@
           <a:p>
             <a:r>
               <a:rPr lang="fr-CH" dirty="0" err="1" smtClean="0"/>
-              <a:t>Utilizzi</a:t>
+              <a:t>Demo</a:t>
             </a:r>
             <a:endParaRPr lang="en-US" dirty="0"/>
           </a:p>
         </p:txBody>
       </p:sp>
-      <p:sp>
-        <p:nvSpPr>
-          <p:cNvPr id="3" name="Segnaposto contenuto 2"/>
-          <p:cNvSpPr>
-            <a:spLocks noGrp="1"/>
-          </p:cNvSpPr>
+      <p:pic>
+        <p:nvPicPr>
+          <p:cNvPr id="4" name="Segnaposto contenuto 3"/>
+          <p:cNvPicPr>
+            <a:picLocks noGrp="1" noChangeAspect="1"/>
+          </p:cNvPicPr>
           <p:nvPr>
             <p:ph idx="1"/>
           </p:nvPr>
-        </p:nvSpPr>
-        <p:spPr/>
-        <p:txBody>
-          <a:bodyPr/>
-          <a:lstStyle/>
-          <a:p>
-            <a:endParaRPr lang="en-US"/>
-          </a:p>
-        </p:txBody>
-      </p:sp>
+        </p:nvPicPr>
+        <p:blipFill>
+          <a:blip r:embed="rId2"/>
+          <a:stretch>
+            <a:fillRect/>
+          </a:stretch>
+        </p:blipFill>
+        <p:spPr>
+          <a:xfrm>
+            <a:off x="2839748" y="517525"/>
+            <a:ext cx="6512504" cy="5972698"/>
+          </a:xfrm>
+          <a:prstGeom prst="rect">
+            <a:avLst/>
+          </a:prstGeom>
+        </p:spPr>
+      </p:pic>
     </p:spTree>
     <p:extLst>
       <p:ext uri="{BB962C8B-B14F-4D97-AF65-F5344CB8AC3E}">
-        <p14:creationId xmlns:p14="http://schemas.microsoft.com/office/powerpoint/2010/main" val="3257368733"/>
+        <p14:creationId xmlns:p14="http://schemas.microsoft.com/office/powerpoint/2010/main" val="4043463899"/>
       </p:ext>
     </p:extLst>
   </p:cSld>
@@ -3474,6 +3557,92 @@
           <a:p>
             <a:r>
               <a:rPr lang="fr-CH" dirty="0" err="1" smtClean="0"/>
+              <a:t>Utilizzi</a:t>
+            </a:r>
+            <a:endParaRPr lang="en-US" dirty="0"/>
+          </a:p>
+        </p:txBody>
+      </p:sp>
+      <p:pic>
+        <p:nvPicPr>
+          <p:cNvPr id="4" name="Segnaposto contenuto 3"/>
+          <p:cNvPicPr>
+            <a:picLocks noGrp="1" noChangeAspect="1"/>
+          </p:cNvPicPr>
+          <p:nvPr>
+            <p:ph idx="1"/>
+          </p:nvPr>
+        </p:nvPicPr>
+        <p:blipFill>
+          <a:blip r:embed="rId2"/>
+          <a:stretch>
+            <a:fillRect/>
+          </a:stretch>
+        </p:blipFill>
+        <p:spPr>
+          <a:xfrm>
+            <a:off x="2841625" y="1690688"/>
+            <a:ext cx="6508750" cy="3951741"/>
+          </a:xfrm>
+          <a:prstGeom prst="rect">
+            <a:avLst/>
+          </a:prstGeom>
+        </p:spPr>
+      </p:pic>
+    </p:spTree>
+    <p:extLst>
+      <p:ext uri="{BB962C8B-B14F-4D97-AF65-F5344CB8AC3E}">
+        <p14:creationId xmlns:p14="http://schemas.microsoft.com/office/powerpoint/2010/main" val="3257368733"/>
+      </p:ext>
+    </p:extLst>
+  </p:cSld>
+  <p:clrMapOvr>
+    <a:masterClrMapping/>
+  </p:clrMapOvr>
+  <p:timing>
+    <p:tnLst>
+      <p:par>
+        <p:cTn id="1" dur="indefinite" restart="never" nodeType="tmRoot"/>
+      </p:par>
+    </p:tnLst>
+  </p:timing>
+</p:sld>
+</file>
+
+<file path=ppt/slides/slide8.xml><?xml version="1.0" encoding="utf-8"?>
+<p:sld xmlns:a="http://schemas.openxmlformats.org/drawingml/2006/main" xmlns:r="http://schemas.openxmlformats.org/officeDocument/2006/relationships" xmlns:p="http://schemas.openxmlformats.org/presentationml/2006/main">
+  <p:cSld>
+    <p:spTree>
+      <p:nvGrpSpPr>
+        <p:cNvPr id="1" name=""/>
+        <p:cNvGrpSpPr/>
+        <p:nvPr/>
+      </p:nvGrpSpPr>
+      <p:grpSpPr>
+        <a:xfrm>
+          <a:off x="0" y="0"/>
+          <a:ext cx="0" cy="0"/>
+          <a:chOff x="0" y="0"/>
+          <a:chExt cx="0" cy="0"/>
+        </a:xfrm>
+      </p:grpSpPr>
+      <p:sp>
+        <p:nvSpPr>
+          <p:cNvPr id="2" name="Titolo 1"/>
+          <p:cNvSpPr>
+            <a:spLocks noGrp="1"/>
+          </p:cNvSpPr>
+          <p:nvPr>
+            <p:ph type="title"/>
+          </p:nvPr>
+        </p:nvSpPr>
+        <p:spPr/>
+        <p:txBody>
+          <a:bodyPr/>
+          <a:lstStyle/>
+          <a:p>
+            <a:r>
+              <a:rPr lang="fr-CH" dirty="0" err="1" smtClean="0"/>
               <a:t>Futuro</a:t>
             </a:r>
             <a:endParaRPr lang="en-US" dirty="0"/>
@@ -3519,7 +3688,7 @@
 </p:sld>
 </file>
 
-<file path=ppt/slides/slide8.xml><?xml version="1.0" encoding="utf-8"?>
+<file path=ppt/slides/slide9.xml><?xml version="1.0" encoding="utf-8"?>
 <p:sld xmlns:a="http://schemas.openxmlformats.org/drawingml/2006/main" xmlns:r="http://schemas.openxmlformats.org/officeDocument/2006/relationships" xmlns:p="http://schemas.openxmlformats.org/presentationml/2006/main">
   <p:cSld>
     <p:spTree>

--- a/Presentazione/PresentazioneNuget.pptx
+++ b/Presentazione/PresentazioneNuget.pptx
@@ -3025,7 +3025,11 @@
           <a:p>
             <a:r>
               <a:rPr lang="fr-CH" dirty="0" smtClean="0"/>
-              <a:t>By Alessandro Colugnat</a:t>
+              <a:t>Di </a:t>
+            </a:r>
+            <a:r>
+              <a:rPr lang="fr-CH" dirty="0" smtClean="0"/>
+              <a:t>Alessandro Colugnat</a:t>
             </a:r>
             <a:endParaRPr lang="en-US" dirty="0"/>
           </a:p>

--- a/Presentazione/PresentazioneNuget.pptx
+++ b/Presentazione/PresentazioneNuget.pptx
@@ -10,10 +10,10 @@
     <p:sldId id="257" r:id="rId4"/>
     <p:sldId id="258" r:id="rId5"/>
     <p:sldId id="264" r:id="rId6"/>
-    <p:sldId id="260" r:id="rId7"/>
-    <p:sldId id="259" r:id="rId8"/>
-    <p:sldId id="263" r:id="rId9"/>
-    <p:sldId id="261" r:id="rId10"/>
+    <p:sldId id="259" r:id="rId7"/>
+    <p:sldId id="263" r:id="rId8"/>
+    <p:sldId id="261" r:id="rId9"/>
+    <p:sldId id="260" r:id="rId10"/>
   </p:sldIdLst>
   <p:sldSz cx="12192000" cy="6858000"/>
   <p:notesSz cx="6858000" cy="9144000"/>
@@ -251,7 +251,7 @@
           <a:p>
             <a:fld id="{D81F3C41-B92A-484D-9D4B-9E49E09D37F2}" type="datetimeFigureOut">
               <a:rPr lang="en-US" smtClean="0"/>
-              <a:t>12/11/2018</a:t>
+              <a:t>12/12/2018</a:t>
             </a:fld>
             <a:endParaRPr lang="en-US"/>
           </a:p>
@@ -421,7 +421,7 @@
           <a:p>
             <a:fld id="{D81F3C41-B92A-484D-9D4B-9E49E09D37F2}" type="datetimeFigureOut">
               <a:rPr lang="en-US" smtClean="0"/>
-              <a:t>12/11/2018</a:t>
+              <a:t>12/12/2018</a:t>
             </a:fld>
             <a:endParaRPr lang="en-US"/>
           </a:p>
@@ -601,7 +601,7 @@
           <a:p>
             <a:fld id="{D81F3C41-B92A-484D-9D4B-9E49E09D37F2}" type="datetimeFigureOut">
               <a:rPr lang="en-US" smtClean="0"/>
-              <a:t>12/11/2018</a:t>
+              <a:t>12/12/2018</a:t>
             </a:fld>
             <a:endParaRPr lang="en-US"/>
           </a:p>
@@ -771,7 +771,7 @@
           <a:p>
             <a:fld id="{D81F3C41-B92A-484D-9D4B-9E49E09D37F2}" type="datetimeFigureOut">
               <a:rPr lang="en-US" smtClean="0"/>
-              <a:t>12/11/2018</a:t>
+              <a:t>12/12/2018</a:t>
             </a:fld>
             <a:endParaRPr lang="en-US"/>
           </a:p>
@@ -1017,7 +1017,7 @@
           <a:p>
             <a:fld id="{D81F3C41-B92A-484D-9D4B-9E49E09D37F2}" type="datetimeFigureOut">
               <a:rPr lang="en-US" smtClean="0"/>
-              <a:t>12/11/2018</a:t>
+              <a:t>12/12/2018</a:t>
             </a:fld>
             <a:endParaRPr lang="en-US"/>
           </a:p>
@@ -1249,7 +1249,7 @@
           <a:p>
             <a:fld id="{D81F3C41-B92A-484D-9D4B-9E49E09D37F2}" type="datetimeFigureOut">
               <a:rPr lang="en-US" smtClean="0"/>
-              <a:t>12/11/2018</a:t>
+              <a:t>12/12/2018</a:t>
             </a:fld>
             <a:endParaRPr lang="en-US"/>
           </a:p>
@@ -1616,7 +1616,7 @@
           <a:p>
             <a:fld id="{D81F3C41-B92A-484D-9D4B-9E49E09D37F2}" type="datetimeFigureOut">
               <a:rPr lang="en-US" smtClean="0"/>
-              <a:t>12/11/2018</a:t>
+              <a:t>12/12/2018</a:t>
             </a:fld>
             <a:endParaRPr lang="en-US"/>
           </a:p>
@@ -1734,7 +1734,7 @@
           <a:p>
             <a:fld id="{D81F3C41-B92A-484D-9D4B-9E49E09D37F2}" type="datetimeFigureOut">
               <a:rPr lang="en-US" smtClean="0"/>
-              <a:t>12/11/2018</a:t>
+              <a:t>12/12/2018</a:t>
             </a:fld>
             <a:endParaRPr lang="en-US"/>
           </a:p>
@@ -1829,7 +1829,7 @@
           <a:p>
             <a:fld id="{D81F3C41-B92A-484D-9D4B-9E49E09D37F2}" type="datetimeFigureOut">
               <a:rPr lang="en-US" smtClean="0"/>
-              <a:t>12/11/2018</a:t>
+              <a:t>12/12/2018</a:t>
             </a:fld>
             <a:endParaRPr lang="en-US"/>
           </a:p>
@@ -2106,7 +2106,7 @@
           <a:p>
             <a:fld id="{D81F3C41-B92A-484D-9D4B-9E49E09D37F2}" type="datetimeFigureOut">
               <a:rPr lang="en-US" smtClean="0"/>
-              <a:t>12/11/2018</a:t>
+              <a:t>12/12/2018</a:t>
             </a:fld>
             <a:endParaRPr lang="en-US"/>
           </a:p>
@@ -2359,7 +2359,7 @@
           <a:p>
             <a:fld id="{D81F3C41-B92A-484D-9D4B-9E49E09D37F2}" type="datetimeFigureOut">
               <a:rPr lang="en-US" smtClean="0"/>
-              <a:t>12/11/2018</a:t>
+              <a:t>12/12/2018</a:t>
             </a:fld>
             <a:endParaRPr lang="en-US"/>
           </a:p>
@@ -2572,7 +2572,7 @@
           <a:p>
             <a:fld id="{D81F3C41-B92A-484D-9D4B-9E49E09D37F2}" type="datetimeFigureOut">
               <a:rPr lang="en-US" smtClean="0"/>
-              <a:t>12/11/2018</a:t>
+              <a:t>12/12/2018</a:t>
             </a:fld>
             <a:endParaRPr lang="en-US"/>
           </a:p>
@@ -3025,11 +3025,7 @@
           <a:p>
             <a:r>
               <a:rPr lang="fr-CH" dirty="0" smtClean="0"/>
-              <a:t>Di </a:t>
-            </a:r>
-            <a:r>
-              <a:rPr lang="fr-CH" dirty="0" smtClean="0"/>
-              <a:t>Alessandro Colugnat</a:t>
+              <a:t>Di Alessandro Colugnat</a:t>
             </a:r>
             <a:endParaRPr lang="en-US" dirty="0"/>
           </a:p>
@@ -3475,92 +3471,6 @@
           <a:p>
             <a:r>
               <a:rPr lang="fr-CH" dirty="0" err="1" smtClean="0"/>
-              <a:t>Demo</a:t>
-            </a:r>
-            <a:endParaRPr lang="en-US" dirty="0"/>
-          </a:p>
-        </p:txBody>
-      </p:sp>
-      <p:pic>
-        <p:nvPicPr>
-          <p:cNvPr id="4" name="Segnaposto contenuto 3"/>
-          <p:cNvPicPr>
-            <a:picLocks noGrp="1" noChangeAspect="1"/>
-          </p:cNvPicPr>
-          <p:nvPr>
-            <p:ph idx="1"/>
-          </p:nvPr>
-        </p:nvPicPr>
-        <p:blipFill>
-          <a:blip r:embed="rId2"/>
-          <a:stretch>
-            <a:fillRect/>
-          </a:stretch>
-        </p:blipFill>
-        <p:spPr>
-          <a:xfrm>
-            <a:off x="2839748" y="517525"/>
-            <a:ext cx="6512504" cy="5972698"/>
-          </a:xfrm>
-          <a:prstGeom prst="rect">
-            <a:avLst/>
-          </a:prstGeom>
-        </p:spPr>
-      </p:pic>
-    </p:spTree>
-    <p:extLst>
-      <p:ext uri="{BB962C8B-B14F-4D97-AF65-F5344CB8AC3E}">
-        <p14:creationId xmlns:p14="http://schemas.microsoft.com/office/powerpoint/2010/main" val="4043463899"/>
-      </p:ext>
-    </p:extLst>
-  </p:cSld>
-  <p:clrMapOvr>
-    <a:masterClrMapping/>
-  </p:clrMapOvr>
-  <p:timing>
-    <p:tnLst>
-      <p:par>
-        <p:cTn id="1" dur="indefinite" restart="never" nodeType="tmRoot"/>
-      </p:par>
-    </p:tnLst>
-  </p:timing>
-</p:sld>
-</file>
-
-<file path=ppt/slides/slide7.xml><?xml version="1.0" encoding="utf-8"?>
-<p:sld xmlns:a="http://schemas.openxmlformats.org/drawingml/2006/main" xmlns:r="http://schemas.openxmlformats.org/officeDocument/2006/relationships" xmlns:p="http://schemas.openxmlformats.org/presentationml/2006/main">
-  <p:cSld>
-    <p:spTree>
-      <p:nvGrpSpPr>
-        <p:cNvPr id="1" name=""/>
-        <p:cNvGrpSpPr/>
-        <p:nvPr/>
-      </p:nvGrpSpPr>
-      <p:grpSpPr>
-        <a:xfrm>
-          <a:off x="0" y="0"/>
-          <a:ext cx="0" cy="0"/>
-          <a:chOff x="0" y="0"/>
-          <a:chExt cx="0" cy="0"/>
-        </a:xfrm>
-      </p:grpSpPr>
-      <p:sp>
-        <p:nvSpPr>
-          <p:cNvPr id="2" name="Titolo 1"/>
-          <p:cNvSpPr>
-            <a:spLocks noGrp="1"/>
-          </p:cNvSpPr>
-          <p:nvPr>
-            <p:ph type="title"/>
-          </p:nvPr>
-        </p:nvSpPr>
-        <p:spPr/>
-        <p:txBody>
-          <a:bodyPr/>
-          <a:lstStyle/>
-          <a:p>
-            <a:r>
-              <a:rPr lang="fr-CH" dirty="0" err="1" smtClean="0"/>
               <a:t>Utilizzi</a:t>
             </a:r>
             <a:endParaRPr lang="en-US" dirty="0"/>
@@ -3613,6 +3523,74 @@
 </p:sld>
 </file>
 
+<file path=ppt/slides/slide7.xml><?xml version="1.0" encoding="utf-8"?>
+<p:sld xmlns:a="http://schemas.openxmlformats.org/drawingml/2006/main" xmlns:r="http://schemas.openxmlformats.org/officeDocument/2006/relationships" xmlns:p="http://schemas.openxmlformats.org/presentationml/2006/main">
+  <p:cSld>
+    <p:spTree>
+      <p:nvGrpSpPr>
+        <p:cNvPr id="1" name=""/>
+        <p:cNvGrpSpPr/>
+        <p:nvPr/>
+      </p:nvGrpSpPr>
+      <p:grpSpPr>
+        <a:xfrm>
+          <a:off x="0" y="0"/>
+          <a:ext cx="0" cy="0"/>
+          <a:chOff x="0" y="0"/>
+          <a:chExt cx="0" cy="0"/>
+        </a:xfrm>
+      </p:grpSpPr>
+      <p:sp>
+        <p:nvSpPr>
+          <p:cNvPr id="2" name="Titolo 1"/>
+          <p:cNvSpPr>
+            <a:spLocks noGrp="1"/>
+          </p:cNvSpPr>
+          <p:nvPr>
+            <p:ph type="title"/>
+          </p:nvPr>
+        </p:nvSpPr>
+        <p:spPr>
+          <a:xfrm>
+            <a:off x="0" y="0"/>
+            <a:ext cx="12192000" cy="6857999"/>
+          </a:xfrm>
+        </p:spPr>
+        <p:txBody>
+          <a:bodyPr>
+            <a:normAutofit/>
+          </a:bodyPr>
+          <a:lstStyle/>
+          <a:p>
+            <a:pPr algn="ctr"/>
+            <a:r>
+              <a:rPr lang="fr-CH" sz="8000" dirty="0" err="1" smtClean="0"/>
+              <a:t>Futuro</a:t>
+            </a:r>
+            <a:endParaRPr lang="en-US" sz="8000" dirty="0"/>
+          </a:p>
+        </p:txBody>
+      </p:sp>
+    </p:spTree>
+    <p:extLst>
+      <p:ext uri="{BB962C8B-B14F-4D97-AF65-F5344CB8AC3E}">
+        <p14:creationId xmlns:p14="http://schemas.microsoft.com/office/powerpoint/2010/main" val="1346017242"/>
+      </p:ext>
+    </p:extLst>
+  </p:cSld>
+  <p:clrMapOvr>
+    <a:masterClrMapping/>
+  </p:clrMapOvr>
+  <p:timing>
+    <p:tnLst>
+      <p:par>
+        <p:cTn id="1" dur="indefinite" restart="never" nodeType="tmRoot"/>
+      </p:par>
+    </p:tnLst>
+  </p:timing>
+</p:sld>
+</file>
+
 <file path=ppt/slides/slide8.xml><?xml version="1.0" encoding="utf-8"?>
 <p:sld xmlns:a="http://schemas.openxmlformats.org/drawingml/2006/main" xmlns:r="http://schemas.openxmlformats.org/officeDocument/2006/relationships" xmlns:p="http://schemas.openxmlformats.org/presentationml/2006/main">
   <p:cSld>
@@ -3647,7 +3625,7 @@
           <a:p>
             <a:r>
               <a:rPr lang="fr-CH" dirty="0" err="1" smtClean="0"/>
-              <a:t>Futuro</a:t>
+              <a:t>Domande</a:t>
             </a:r>
             <a:endParaRPr lang="en-US" dirty="0"/>
           </a:p>
@@ -3663,19 +3641,33 @@
             <p:ph idx="1"/>
           </p:nvPr>
         </p:nvSpPr>
-        <p:spPr/>
-        <p:txBody>
-          <a:bodyPr/>
-          <a:lstStyle/>
-          <a:p>
-            <a:endParaRPr lang="en-US"/>
+        <p:spPr>
+          <a:xfrm>
+            <a:off x="4743450" y="1690688"/>
+            <a:ext cx="2705100" cy="3559175"/>
+          </a:xfrm>
+        </p:spPr>
+        <p:txBody>
+          <a:bodyPr>
+            <a:noAutofit/>
+          </a:bodyPr>
+          <a:lstStyle/>
+          <a:p>
+            <a:pPr marL="0" indent="0">
+              <a:buNone/>
+            </a:pPr>
+            <a:r>
+              <a:rPr lang="fr-CH" sz="34400" dirty="0" smtClean="0"/>
+              <a:t>?</a:t>
+            </a:r>
+            <a:endParaRPr lang="en-US" sz="34400" dirty="0"/>
           </a:p>
         </p:txBody>
       </p:sp>
     </p:spTree>
     <p:extLst>
       <p:ext uri="{BB962C8B-B14F-4D97-AF65-F5344CB8AC3E}">
-        <p14:creationId xmlns:p14="http://schemas.microsoft.com/office/powerpoint/2010/main" val="1346017242"/>
+        <p14:creationId xmlns:p14="http://schemas.microsoft.com/office/powerpoint/2010/main" val="3875228017"/>
       </p:ext>
     </p:extLst>
   </p:cSld>
@@ -3726,35 +3718,42 @@
           <a:p>
             <a:r>
               <a:rPr lang="fr-CH" dirty="0" err="1" smtClean="0"/>
-              <a:t>Domande</a:t>
+              <a:t>Demo</a:t>
             </a:r>
             <a:endParaRPr lang="en-US" dirty="0"/>
           </a:p>
         </p:txBody>
       </p:sp>
-      <p:sp>
-        <p:nvSpPr>
-          <p:cNvPr id="3" name="Segnaposto contenuto 2"/>
-          <p:cNvSpPr>
-            <a:spLocks noGrp="1"/>
-          </p:cNvSpPr>
+      <p:pic>
+        <p:nvPicPr>
+          <p:cNvPr id="4" name="Segnaposto contenuto 3"/>
+          <p:cNvPicPr>
+            <a:picLocks noGrp="1" noChangeAspect="1"/>
+          </p:cNvPicPr>
           <p:nvPr>
             <p:ph idx="1"/>
           </p:nvPr>
-        </p:nvSpPr>
-        <p:spPr/>
-        <p:txBody>
-          <a:bodyPr/>
-          <a:lstStyle/>
-          <a:p>
-            <a:endParaRPr lang="en-US"/>
-          </a:p>
-        </p:txBody>
-      </p:sp>
+        </p:nvPicPr>
+        <p:blipFill>
+          <a:blip r:embed="rId2"/>
+          <a:stretch>
+            <a:fillRect/>
+          </a:stretch>
+        </p:blipFill>
+        <p:spPr>
+          <a:xfrm>
+            <a:off x="2839748" y="517525"/>
+            <a:ext cx="6512504" cy="5972698"/>
+          </a:xfrm>
+          <a:prstGeom prst="rect">
+            <a:avLst/>
+          </a:prstGeom>
+        </p:spPr>
+      </p:pic>
     </p:spTree>
     <p:extLst>
       <p:ext uri="{BB962C8B-B14F-4D97-AF65-F5344CB8AC3E}">
-        <p14:creationId xmlns:p14="http://schemas.microsoft.com/office/powerpoint/2010/main" val="3875228017"/>
+        <p14:creationId xmlns:p14="http://schemas.microsoft.com/office/powerpoint/2010/main" val="4043463899"/>
       </p:ext>
     </p:extLst>
   </p:cSld>
